--- a/Review.pptx
+++ b/Review.pptx
@@ -755,8 +755,8 @@
         </p:nvSpPr>
         <p:spPr>
           <a:xfrm>
-            <a:off x="381175" y="685800"/>
-            <a:ext cx="6096300" cy="3429000"/>
+            <a:off x="381000" y="685800"/>
+            <a:ext cx="6096000" cy="3429000"/>
           </a:xfrm>
           <a:custGeom>
             <a:avLst/>
@@ -24904,124 +24904,6 @@
       </p:grpSpPr>
       <p:sp>
         <p:nvSpPr>
-          <p:cNvPr id="464" name="Google Shape;464;p13"/>
-          <p:cNvSpPr txBox="1">
-            <a:spLocks noGrp="1"/>
-          </p:cNvSpPr>
-          <p:nvPr>
-            <p:ph type="ctrTitle"/>
-          </p:nvPr>
-        </p:nvSpPr>
-        <p:spPr>
-          <a:xfrm>
-            <a:off x="18900" y="610425"/>
-            <a:ext cx="9106200" cy="3131100"/>
-          </a:xfrm>
-          <a:prstGeom prst="rect">
-            <a:avLst/>
-          </a:prstGeom>
-        </p:spPr>
-        <p:txBody>
-          <a:bodyPr spcFirstLastPara="1" wrap="square" lIns="91425" tIns="91425" rIns="91425" bIns="91425" anchor="ctr" anchorCtr="0">
-            <a:noAutofit/>
-          </a:bodyPr>
-          <a:lstStyle/>
-          <a:p>
-            <a:pPr marL="0" lvl="0" indent="0" algn="ctr" rtl="0">
-              <a:spcBef>
-                <a:spcPts val="0"/>
-              </a:spcBef>
-              <a:spcAft>
-                <a:spcPts val="0"/>
-              </a:spcAft>
-              <a:buNone/>
-            </a:pPr>
-            <a:r>
-              <a:rPr lang="en" sz="5700">
-                <a:solidFill>
-                  <a:schemeClr val="dk1"/>
-                </a:solidFill>
-              </a:rPr>
-              <a:t>Foundation of Data Analytics</a:t>
-            </a:r>
-            <a:endParaRPr sz="5700">
-              <a:solidFill>
-                <a:schemeClr val="dk1"/>
-              </a:solidFill>
-            </a:endParaRPr>
-          </a:p>
-          <a:p>
-            <a:pPr marL="0" lvl="0" indent="0" algn="ctr" rtl="0">
-              <a:spcBef>
-                <a:spcPts val="0"/>
-              </a:spcBef>
-              <a:spcAft>
-                <a:spcPts val="0"/>
-              </a:spcAft>
-              <a:buNone/>
-            </a:pPr>
-            <a:r>
-              <a:rPr lang="en" sz="5700">
-                <a:solidFill>
-                  <a:schemeClr val="dk1"/>
-                </a:solidFill>
-              </a:rPr>
-              <a:t> </a:t>
-            </a:r>
-            <a:endParaRPr sz="5700">
-              <a:solidFill>
-                <a:schemeClr val="dk1"/>
-              </a:solidFill>
-            </a:endParaRPr>
-          </a:p>
-          <a:p>
-            <a:pPr marL="0" lvl="0" indent="0" algn="ctr" rtl="0">
-              <a:spcBef>
-                <a:spcPts val="0"/>
-              </a:spcBef>
-              <a:spcAft>
-                <a:spcPts val="0"/>
-              </a:spcAft>
-              <a:buNone/>
-            </a:pPr>
-            <a:r>
-              <a:rPr lang="en" sz="3600">
-                <a:solidFill>
-                  <a:srgbClr val="FFFFFF"/>
-                </a:solidFill>
-              </a:rPr>
-              <a:t>CSE 3</a:t>
-            </a:r>
-            <a:r>
-              <a:rPr lang="en" sz="3600"/>
-              <a:t>505</a:t>
-            </a:r>
-            <a:r>
-              <a:rPr lang="en" sz="3600">
-                <a:solidFill>
-                  <a:srgbClr val="FFFFFF"/>
-                </a:solidFill>
-              </a:rPr>
-              <a:t> F2 slot</a:t>
-            </a:r>
-            <a:r>
-              <a:rPr lang="en" sz="5700">
-                <a:solidFill>
-                  <a:srgbClr val="CC0000"/>
-                </a:solidFill>
-              </a:rPr>
-              <a:t> </a:t>
-            </a:r>
-            <a:endParaRPr sz="5700">
-              <a:solidFill>
-                <a:srgbClr val="CC0000"/>
-              </a:solidFill>
-            </a:endParaRPr>
-          </a:p>
-        </p:txBody>
-      </p:sp>
-      <p:sp>
-        <p:nvSpPr>
           <p:cNvPr id="465" name="Google Shape;465;p13"/>
           <p:cNvSpPr txBox="1"/>
           <p:nvPr/>
@@ -25071,7 +24953,7 @@
         </p:nvSpPr>
         <p:spPr>
           <a:xfrm>
-            <a:off x="-77662" y="3696600"/>
+            <a:off x="-205079" y="428745"/>
             <a:ext cx="9144000" cy="1600800"/>
           </a:xfrm>
           <a:prstGeom prst="rect">
